--- a/Chess game.pptx
+++ b/Chess game.pptx
@@ -8,7 +8,8 @@
     <p:sldId id="256" r:id="rId2"/>
     <p:sldId id="257" r:id="rId3"/>
     <p:sldId id="258" r:id="rId4"/>
-    <p:sldId id="263" r:id="rId5"/>
+    <p:sldId id="264" r:id="rId5"/>
+    <p:sldId id="263" r:id="rId6"/>
   </p:sldIdLst>
   <p:sldSz cx="12192000" cy="6858000"/>
   <p:notesSz cx="6858000" cy="9144000"/>
@@ -13368,7 +13369,7 @@
             <a:pPr algn="ctr"/>
             <a:r>
               <a:rPr lang="en-US" dirty="0" smtClean="0"/>
-              <a:t>Chess game concept</a:t>
+              <a:t>Chess game </a:t>
             </a:r>
             <a:endParaRPr lang="th-TH" dirty="0"/>
           </a:p>
@@ -13602,7 +13603,7 @@
       </p:sp>
       <p:pic>
         <p:nvPicPr>
-          <p:cNvPr id="6" name="รูปภาพ 5" descr="&lt;strong&gt;Bishop&lt;/strong&gt; (chess) - Wikipedia"/>
+          <p:cNvPr id="7" name="รูปภาพ 6" descr="File:&lt;strong&gt;Chess&lt;/strong&gt; &lt;strong&gt;bishop&lt;/strong&gt;.jpg - Wikimedia Commons"/>
           <p:cNvPicPr>
             <a:picLocks noChangeAspect="1"/>
           </p:cNvPicPr>
@@ -13622,8 +13623,8 @@
         </p:blipFill>
         <p:spPr>
           <a:xfrm>
-            <a:off x="9093508" y="4239490"/>
-            <a:ext cx="1381231" cy="2378479"/>
+            <a:off x="6056574" y="4536094"/>
+            <a:ext cx="2353555" cy="1757785"/>
           </a:xfrm>
           <a:prstGeom prst="ellipse">
             <a:avLst/>
@@ -13807,6 +13808,190 @@
 </file>
 
 <file path=ppt/slides/slide4.xml><?xml version="1.0" encoding="utf-8"?>
+<p:sld xmlns:a="http://schemas.openxmlformats.org/drawingml/2006/main" xmlns:r="http://schemas.openxmlformats.org/officeDocument/2006/relationships" xmlns:p="http://schemas.openxmlformats.org/presentationml/2006/main">
+  <p:cSld>
+    <p:spTree>
+      <p:nvGrpSpPr>
+        <p:cNvPr id="1" name=""/>
+        <p:cNvGrpSpPr/>
+        <p:nvPr/>
+      </p:nvGrpSpPr>
+      <p:grpSpPr>
+        <a:xfrm>
+          <a:off x="0" y="0"/>
+          <a:ext cx="0" cy="0"/>
+          <a:chOff x="0" y="0"/>
+          <a:chExt cx="0" cy="0"/>
+        </a:xfrm>
+      </p:grpSpPr>
+      <p:sp>
+        <p:nvSpPr>
+          <p:cNvPr id="2" name="ชื่อเรื่อง 1"/>
+          <p:cNvSpPr>
+            <a:spLocks noGrp="1"/>
+          </p:cNvSpPr>
+          <p:nvPr>
+            <p:ph type="title"/>
+          </p:nvPr>
+        </p:nvSpPr>
+        <p:spPr/>
+        <p:txBody>
+          <a:bodyPr/>
+          <a:lstStyle/>
+          <a:p>
+            <a:pPr algn="ctr"/>
+            <a:r>
+              <a:rPr lang="th-TH" dirty="0" smtClean="0"/>
+              <a:t>การเดินของตัวหมาก</a:t>
+            </a:r>
+            <a:endParaRPr lang="th-TH" dirty="0"/>
+          </a:p>
+        </p:txBody>
+      </p:sp>
+      <p:pic>
+        <p:nvPicPr>
+          <p:cNvPr id="4" name="Picture 2" descr="ผลการค้นหารูปภาพสำหรับ rook chess move"/>
+          <p:cNvPicPr>
+            <a:picLocks noChangeAspect="1" noChangeArrowheads="1"/>
+          </p:cNvPicPr>
+          <p:nvPr/>
+        </p:nvPicPr>
+        <p:blipFill>
+          <a:blip r:embed="rId2">
+            <a:extLst>
+              <a:ext uri="{28A0092B-C50C-407E-A947-70E740481C1C}">
+                <a14:useLocalDpi xmlns:a14="http://schemas.microsoft.com/office/drawing/2010/main" val="0"/>
+              </a:ext>
+            </a:extLst>
+          </a:blip>
+          <a:srcRect/>
+          <a:stretch>
+            <a:fillRect/>
+          </a:stretch>
+        </p:blipFill>
+        <p:spPr bwMode="auto">
+          <a:xfrm>
+            <a:off x="596040" y="2992889"/>
+            <a:ext cx="3183366" cy="3161636"/>
+          </a:xfrm>
+          <a:prstGeom prst="rect">
+            <a:avLst/>
+          </a:prstGeom>
+          <a:noFill/>
+          <a:extLst>
+            <a:ext uri="{909E8E84-426E-40DD-AFC4-6F175D3DCCD1}">
+              <a14:hiddenFill xmlns:a14="http://schemas.microsoft.com/office/drawing/2010/main">
+                <a:solidFill>
+                  <a:srgbClr val="FFFFFF"/>
+                </a:solidFill>
+              </a14:hiddenFill>
+            </a:ext>
+          </a:extLst>
+        </p:spPr>
+      </p:pic>
+      <p:pic>
+        <p:nvPicPr>
+          <p:cNvPr id="5" name="Picture 4" descr="รูปภาพที่เกี่ยวข้อง"/>
+          <p:cNvPicPr>
+            <a:picLocks noChangeAspect="1" noChangeArrowheads="1"/>
+          </p:cNvPicPr>
+          <p:nvPr/>
+        </p:nvPicPr>
+        <p:blipFill>
+          <a:blip r:embed="rId3">
+            <a:extLst>
+              <a:ext uri="{28A0092B-C50C-407E-A947-70E740481C1C}">
+                <a14:useLocalDpi xmlns:a14="http://schemas.microsoft.com/office/drawing/2010/main" val="0"/>
+              </a:ext>
+            </a:extLst>
+          </a:blip>
+          <a:srcRect/>
+          <a:stretch>
+            <a:fillRect/>
+          </a:stretch>
+        </p:blipFill>
+        <p:spPr bwMode="auto">
+          <a:xfrm>
+            <a:off x="4334850" y="2992889"/>
+            <a:ext cx="2986918" cy="2966529"/>
+          </a:xfrm>
+          <a:prstGeom prst="rect">
+            <a:avLst/>
+          </a:prstGeom>
+          <a:noFill/>
+          <a:extLst>
+            <a:ext uri="{909E8E84-426E-40DD-AFC4-6F175D3DCCD1}">
+              <a14:hiddenFill xmlns:a14="http://schemas.microsoft.com/office/drawing/2010/main">
+                <a:solidFill>
+                  <a:srgbClr val="FFFFFF"/>
+                </a:solidFill>
+              </a14:hiddenFill>
+            </a:ext>
+          </a:extLst>
+        </p:spPr>
+      </p:pic>
+      <p:pic>
+        <p:nvPicPr>
+          <p:cNvPr id="6" name="Picture 6" descr="ผลการค้นหารูปภาพสำหรับ queen chess move"/>
+          <p:cNvPicPr>
+            <a:picLocks noChangeAspect="1" noChangeArrowheads="1"/>
+          </p:cNvPicPr>
+          <p:nvPr/>
+        </p:nvPicPr>
+        <p:blipFill>
+          <a:blip r:embed="rId4">
+            <a:extLst>
+              <a:ext uri="{28A0092B-C50C-407E-A947-70E740481C1C}">
+                <a14:useLocalDpi xmlns:a14="http://schemas.microsoft.com/office/drawing/2010/main" val="0"/>
+              </a:ext>
+            </a:extLst>
+          </a:blip>
+          <a:srcRect/>
+          <a:stretch>
+            <a:fillRect/>
+          </a:stretch>
+        </p:blipFill>
+        <p:spPr bwMode="auto">
+          <a:xfrm>
+            <a:off x="7877211" y="2992889"/>
+            <a:ext cx="3235481" cy="2759518"/>
+          </a:xfrm>
+          <a:prstGeom prst="rect">
+            <a:avLst/>
+          </a:prstGeom>
+          <a:noFill/>
+          <a:extLst>
+            <a:ext uri="{909E8E84-426E-40DD-AFC4-6F175D3DCCD1}">
+              <a14:hiddenFill xmlns:a14="http://schemas.microsoft.com/office/drawing/2010/main">
+                <a:solidFill>
+                  <a:srgbClr val="FFFFFF"/>
+                </a:solidFill>
+              </a14:hiddenFill>
+            </a:ext>
+          </a:extLst>
+        </p:spPr>
+      </p:pic>
+    </p:spTree>
+    <p:extLst>
+      <p:ext uri="{BB962C8B-B14F-4D97-AF65-F5344CB8AC3E}">
+        <p14:creationId xmlns:p14="http://schemas.microsoft.com/office/powerpoint/2010/main" val="1461619633"/>
+      </p:ext>
+    </p:extLst>
+  </p:cSld>
+  <p:clrMapOvr>
+    <a:masterClrMapping/>
+  </p:clrMapOvr>
+  <p:timing>
+    <p:tnLst>
+      <p:par>
+        <p:cTn id="1" dur="indefinite" restart="never" nodeType="tmRoot"/>
+      </p:par>
+    </p:tnLst>
+  </p:timing>
+</p:sld>
+</file>
+
+<file path=ppt/slides/slide5.xml><?xml version="1.0" encoding="utf-8"?>
 <p:sld xmlns:a="http://schemas.openxmlformats.org/drawingml/2006/main" xmlns:r="http://schemas.openxmlformats.org/officeDocument/2006/relationships" xmlns:p="http://schemas.openxmlformats.org/presentationml/2006/main">
   <p:cSld>
     <p:spTree>

--- a/Chess game.pptx
+++ b/Chess game.pptx
@@ -7,9 +7,10 @@
   <p:sldIdLst>
     <p:sldId id="256" r:id="rId2"/>
     <p:sldId id="257" r:id="rId3"/>
-    <p:sldId id="258" r:id="rId4"/>
-    <p:sldId id="264" r:id="rId5"/>
-    <p:sldId id="263" r:id="rId6"/>
+    <p:sldId id="265" r:id="rId4"/>
+    <p:sldId id="258" r:id="rId5"/>
+    <p:sldId id="264" r:id="rId6"/>
+    <p:sldId id="263" r:id="rId7"/>
   </p:sldIdLst>
   <p:sldSz cx="12192000" cy="6858000"/>
   <p:notesSz cx="6858000" cy="9144000"/>
@@ -108,6 +109,11 @@
       </a:defRPr>
     </a:lvl9pPr>
   </p:defaultTextStyle>
+  <p:extLst>
+    <p:ext uri="{EFAFB233-063F-42B5-8137-9DF3F51BA10A}">
+      <p15:sldGuideLst xmlns:p15="http://schemas.microsoft.com/office/powerpoint/2012/main"/>
+    </p:ext>
+  </p:extLst>
 </p:presentation>
 </file>
 
@@ -13709,6 +13715,101 @@
           <a:p>
             <a:pPr algn="ctr"/>
             <a:r>
+              <a:rPr lang="th-TH" dirty="0" smtClean="0"/>
+              <a:t>อุปสรรค</a:t>
+            </a:r>
+            <a:endParaRPr lang="th-TH" dirty="0"/>
+          </a:p>
+        </p:txBody>
+      </p:sp>
+      <p:sp>
+        <p:nvSpPr>
+          <p:cNvPr id="3" name="ตัวแทนเนื้อหา 2"/>
+          <p:cNvSpPr>
+            <a:spLocks noGrp="1"/>
+          </p:cNvSpPr>
+          <p:nvPr>
+            <p:ph idx="1"/>
+          </p:nvPr>
+        </p:nvSpPr>
+        <p:spPr/>
+        <p:txBody>
+          <a:bodyPr/>
+          <a:lstStyle/>
+          <a:p>
+            <a:r>
+              <a:rPr lang="th-TH" dirty="0" smtClean="0"/>
+              <a:t>ไม่ได้ระบุปัญหาให้ชัดเจนว่าต้องการให้โปรแกรมทำอะไรบ้าง</a:t>
+            </a:r>
+          </a:p>
+          <a:p>
+            <a:r>
+              <a:rPr lang="th-TH" dirty="0" err="1" smtClean="0"/>
+              <a:t>การทำ</a:t>
+            </a:r>
+            <a:r>
+              <a:rPr lang="en-US" dirty="0" smtClean="0"/>
+              <a:t> chess board</a:t>
+            </a:r>
+            <a:r>
+              <a:rPr lang="th-TH" dirty="0" smtClean="0"/>
+              <a:t> ให้ออกมาเป็นตาราง</a:t>
+            </a:r>
+            <a:r>
+              <a:rPr lang="th-TH" smtClean="0"/>
+              <a:t>หมากรุกที่เหมือนของจริง</a:t>
+            </a:r>
+            <a:endParaRPr lang="th-TH"/>
+          </a:p>
+        </p:txBody>
+      </p:sp>
+    </p:spTree>
+    <p:extLst>
+      <p:ext uri="{BB962C8B-B14F-4D97-AF65-F5344CB8AC3E}">
+        <p14:creationId xmlns:p14="http://schemas.microsoft.com/office/powerpoint/2010/main" val="3770011786"/>
+      </p:ext>
+    </p:extLst>
+  </p:cSld>
+  <p:clrMapOvr>
+    <a:masterClrMapping/>
+  </p:clrMapOvr>
+</p:sld>
+</file>
+
+<file path=ppt/slides/slide4.xml><?xml version="1.0" encoding="utf-8"?>
+<p:sld xmlns:a="http://schemas.openxmlformats.org/drawingml/2006/main" xmlns:r="http://schemas.openxmlformats.org/officeDocument/2006/relationships" xmlns:p="http://schemas.openxmlformats.org/presentationml/2006/main">
+  <p:cSld>
+    <p:spTree>
+      <p:nvGrpSpPr>
+        <p:cNvPr id="1" name=""/>
+        <p:cNvGrpSpPr/>
+        <p:nvPr/>
+      </p:nvGrpSpPr>
+      <p:grpSpPr>
+        <a:xfrm>
+          <a:off x="0" y="0"/>
+          <a:ext cx="0" cy="0"/>
+          <a:chOff x="0" y="0"/>
+          <a:chExt cx="0" cy="0"/>
+        </a:xfrm>
+      </p:grpSpPr>
+      <p:sp>
+        <p:nvSpPr>
+          <p:cNvPr id="2" name="ชื่อเรื่อง 1"/>
+          <p:cNvSpPr>
+            <a:spLocks noGrp="1"/>
+          </p:cNvSpPr>
+          <p:nvPr>
+            <p:ph type="title"/>
+          </p:nvPr>
+        </p:nvSpPr>
+        <p:spPr/>
+        <p:txBody>
+          <a:bodyPr/>
+          <a:lstStyle/>
+          <a:p>
+            <a:pPr algn="ctr"/>
+            <a:r>
               <a:rPr lang="en-US" dirty="0" smtClean="0"/>
               <a:t>tools</a:t>
             </a:r>
@@ -13807,7 +13908,7 @@
 </p:sld>
 </file>
 
-<file path=ppt/slides/slide4.xml><?xml version="1.0" encoding="utf-8"?>
+<file path=ppt/slides/slide5.xml><?xml version="1.0" encoding="utf-8"?>
 <p:sld xmlns:a="http://schemas.openxmlformats.org/drawingml/2006/main" xmlns:r="http://schemas.openxmlformats.org/officeDocument/2006/relationships" xmlns:p="http://schemas.openxmlformats.org/presentationml/2006/main">
   <p:cSld>
     <p:spTree>
@@ -13991,7 +14092,7 @@
 </p:sld>
 </file>
 
-<file path=ppt/slides/slide5.xml><?xml version="1.0" encoding="utf-8"?>
+<file path=ppt/slides/slide6.xml><?xml version="1.0" encoding="utf-8"?>
 <p:sld xmlns:a="http://schemas.openxmlformats.org/drawingml/2006/main" xmlns:r="http://schemas.openxmlformats.org/officeDocument/2006/relationships" xmlns:p="http://schemas.openxmlformats.org/presentationml/2006/main">
   <p:cSld>
     <p:spTree>

--- a/Chess game.pptx
+++ b/Chess game.pptx
@@ -13753,13 +13753,9 @@
             </a:r>
             <a:r>
               <a:rPr lang="th-TH" dirty="0" smtClean="0"/>
-              <a:t> ให้ออกมาเป็นตาราง</a:t>
+              <a:t> ให้ออกมาเป็นตารางหมากรุกที่เหมือนของจริง</a:t>
             </a:r>
-            <a:r>
-              <a:rPr lang="th-TH" smtClean="0"/>
-              <a:t>หมากรุกที่เหมือนของจริง</a:t>
-            </a:r>
-            <a:endParaRPr lang="th-TH"/>
+            <a:endParaRPr lang="th-TH" dirty="0"/>
           </a:p>
         </p:txBody>
       </p:sp>
